--- a/pyatnashki/Игра «Пятнашки».pptx
+++ b/pyatnashki/Игра «Пятнашки».pptx
@@ -12,6 +12,9 @@
     <p:sldId id="260" r:id="rId6"/>
     <p:sldId id="261" r:id="rId7"/>
     <p:sldId id="262" r:id="rId8"/>
+    <p:sldId id="265" r:id="rId9"/>
+    <p:sldId id="263" r:id="rId10"/>
+    <p:sldId id="264" r:id="rId11"/>
   </p:sldIdLst>
   <p:sldSz cx="12192000" cy="6858000"/>
   <p:notesSz cx="6858000" cy="9144000"/>
@@ -110,6 +113,11 @@
       </a:defRPr>
     </a:lvl9pPr>
   </p:defaultTextStyle>
+  <p:extLst>
+    <p:ext uri="{EFAFB233-063F-42B5-8137-9DF3F51BA10A}">
+      <p15:sldGuideLst xmlns:p15="http://schemas.microsoft.com/office/powerpoint/2012/main"/>
+    </p:ext>
+  </p:extLst>
 </p:presentation>
 </file>
 
@@ -262,7 +270,7 @@
           <a:p>
             <a:fld id="{B7B921D8-240D-4A9D-937E-9097FC7CE57E}" type="datetimeFigureOut">
               <a:rPr lang="ru-RU" smtClean="0"/>
-              <a:t>02.05.2024</a:t>
+              <a:t>16.05.2024</a:t>
             </a:fld>
             <a:endParaRPr lang="ru-RU"/>
           </a:p>
@@ -462,7 +470,7 @@
           <a:p>
             <a:fld id="{B7B921D8-240D-4A9D-937E-9097FC7CE57E}" type="datetimeFigureOut">
               <a:rPr lang="ru-RU" smtClean="0"/>
-              <a:t>02.05.2024</a:t>
+              <a:t>16.05.2024</a:t>
             </a:fld>
             <a:endParaRPr lang="ru-RU"/>
           </a:p>
@@ -672,7 +680,7 @@
           <a:p>
             <a:fld id="{B7B921D8-240D-4A9D-937E-9097FC7CE57E}" type="datetimeFigureOut">
               <a:rPr lang="ru-RU" smtClean="0"/>
-              <a:t>02.05.2024</a:t>
+              <a:t>16.05.2024</a:t>
             </a:fld>
             <a:endParaRPr lang="ru-RU"/>
           </a:p>
@@ -872,7 +880,7 @@
           <a:p>
             <a:fld id="{B7B921D8-240D-4A9D-937E-9097FC7CE57E}" type="datetimeFigureOut">
               <a:rPr lang="ru-RU" smtClean="0"/>
-              <a:t>02.05.2024</a:t>
+              <a:t>16.05.2024</a:t>
             </a:fld>
             <a:endParaRPr lang="ru-RU"/>
           </a:p>
@@ -1148,7 +1156,7 @@
           <a:p>
             <a:fld id="{B7B921D8-240D-4A9D-937E-9097FC7CE57E}" type="datetimeFigureOut">
               <a:rPr lang="ru-RU" smtClean="0"/>
-              <a:t>02.05.2024</a:t>
+              <a:t>16.05.2024</a:t>
             </a:fld>
             <a:endParaRPr lang="ru-RU"/>
           </a:p>
@@ -1416,7 +1424,7 @@
           <a:p>
             <a:fld id="{B7B921D8-240D-4A9D-937E-9097FC7CE57E}" type="datetimeFigureOut">
               <a:rPr lang="ru-RU" smtClean="0"/>
-              <a:t>02.05.2024</a:t>
+              <a:t>16.05.2024</a:t>
             </a:fld>
             <a:endParaRPr lang="ru-RU"/>
           </a:p>
@@ -1831,7 +1839,7 @@
           <a:p>
             <a:fld id="{B7B921D8-240D-4A9D-937E-9097FC7CE57E}" type="datetimeFigureOut">
               <a:rPr lang="ru-RU" smtClean="0"/>
-              <a:t>02.05.2024</a:t>
+              <a:t>16.05.2024</a:t>
             </a:fld>
             <a:endParaRPr lang="ru-RU"/>
           </a:p>
@@ -1973,7 +1981,7 @@
           <a:p>
             <a:fld id="{B7B921D8-240D-4A9D-937E-9097FC7CE57E}" type="datetimeFigureOut">
               <a:rPr lang="ru-RU" smtClean="0"/>
-              <a:t>02.05.2024</a:t>
+              <a:t>16.05.2024</a:t>
             </a:fld>
             <a:endParaRPr lang="ru-RU"/>
           </a:p>
@@ -2086,7 +2094,7 @@
           <a:p>
             <a:fld id="{B7B921D8-240D-4A9D-937E-9097FC7CE57E}" type="datetimeFigureOut">
               <a:rPr lang="ru-RU" smtClean="0"/>
-              <a:t>02.05.2024</a:t>
+              <a:t>16.05.2024</a:t>
             </a:fld>
             <a:endParaRPr lang="ru-RU"/>
           </a:p>
@@ -2399,7 +2407,7 @@
           <a:p>
             <a:fld id="{B7B921D8-240D-4A9D-937E-9097FC7CE57E}" type="datetimeFigureOut">
               <a:rPr lang="ru-RU" smtClean="0"/>
-              <a:t>02.05.2024</a:t>
+              <a:t>16.05.2024</a:t>
             </a:fld>
             <a:endParaRPr lang="ru-RU"/>
           </a:p>
@@ -2688,7 +2696,7 @@
           <a:p>
             <a:fld id="{B7B921D8-240D-4A9D-937E-9097FC7CE57E}" type="datetimeFigureOut">
               <a:rPr lang="ru-RU" smtClean="0"/>
-              <a:t>02.05.2024</a:t>
+              <a:t>16.05.2024</a:t>
             </a:fld>
             <a:endParaRPr lang="ru-RU"/>
           </a:p>
@@ -2931,7 +2939,7 @@
           <a:p>
             <a:fld id="{B7B921D8-240D-4A9D-937E-9097FC7CE57E}" type="datetimeFigureOut">
               <a:rPr lang="ru-RU" smtClean="0"/>
-              <a:t>02.05.2024</a:t>
+              <a:t>16.05.2024</a:t>
             </a:fld>
             <a:endParaRPr lang="ru-RU"/>
           </a:p>
@@ -3485,6 +3493,161 @@
 </p:sld>
 </file>
 
+<file path=ppt/slides/slide10.xml><?xml version="1.0" encoding="utf-8"?>
+<p:sld xmlns:a="http://schemas.openxmlformats.org/drawingml/2006/main" xmlns:r="http://schemas.openxmlformats.org/officeDocument/2006/relationships" xmlns:p="http://schemas.openxmlformats.org/presentationml/2006/main">
+  <p:cSld>
+    <p:bg>
+      <p:bgPr>
+        <a:solidFill>
+          <a:srgbClr val="573D20"/>
+        </a:solidFill>
+        <a:effectLst/>
+      </p:bgPr>
+    </p:bg>
+    <p:spTree>
+      <p:nvGrpSpPr>
+        <p:cNvPr id="1" name=""/>
+        <p:cNvGrpSpPr/>
+        <p:nvPr/>
+      </p:nvGrpSpPr>
+      <p:grpSpPr>
+        <a:xfrm>
+          <a:off x="0" y="0"/>
+          <a:ext cx="0" cy="0"/>
+          <a:chOff x="0" y="0"/>
+          <a:chExt cx="0" cy="0"/>
+        </a:xfrm>
+      </p:grpSpPr>
+      <p:sp>
+        <p:nvSpPr>
+          <p:cNvPr id="2" name="Title 1">
+            <a:extLst>
+              <a:ext uri="{FF2B5EF4-FFF2-40B4-BE49-F238E27FC236}">
+                <a16:creationId xmlns:a16="http://schemas.microsoft.com/office/drawing/2014/main" id="{F77C398C-8658-4EF8-9F80-21B87AA07313}"/>
+              </a:ext>
+            </a:extLst>
+          </p:cNvPr>
+          <p:cNvSpPr>
+            <a:spLocks noGrp="1"/>
+          </p:cNvSpPr>
+          <p:nvPr>
+            <p:ph type="ctrTitle"/>
+          </p:nvPr>
+        </p:nvSpPr>
+        <p:spPr>
+          <a:xfrm>
+            <a:off x="1524000" y="81597"/>
+            <a:ext cx="9144000" cy="1109663"/>
+          </a:xfrm>
+        </p:spPr>
+        <p:txBody>
+          <a:bodyPr>
+            <a:normAutofit/>
+          </a:bodyPr>
+          <a:lstStyle/>
+          <a:p>
+            <a:r>
+              <a:rPr lang="ru-RU" sz="7200" b="1" dirty="0">
+                <a:solidFill>
+                  <a:srgbClr val="E7D392"/>
+                </a:solidFill>
+                <a:latin typeface="Comic Sans MS" panose="030F0702030302020204" pitchFamily="66" charset="0"/>
+              </a:rPr>
+              <a:t>Игра «Пятнашки»</a:t>
+            </a:r>
+          </a:p>
+        </p:txBody>
+      </p:sp>
+      <p:pic>
+        <p:nvPicPr>
+          <p:cNvPr id="6" name="Picture 5">
+            <a:extLst>
+              <a:ext uri="{FF2B5EF4-FFF2-40B4-BE49-F238E27FC236}">
+                <a16:creationId xmlns:a16="http://schemas.microsoft.com/office/drawing/2014/main" id="{26036696-8038-4559-A992-347BAD2536F4}"/>
+              </a:ext>
+            </a:extLst>
+          </p:cNvPr>
+          <p:cNvPicPr>
+            <a:picLocks noChangeAspect="1"/>
+          </p:cNvPicPr>
+          <p:nvPr/>
+        </p:nvPicPr>
+        <p:blipFill rotWithShape="1">
+          <a:blip r:embed="rId2"/>
+          <a:srcRect r="1514"/>
+          <a:stretch/>
+        </p:blipFill>
+        <p:spPr>
+          <a:xfrm>
+            <a:off x="175653" y="1653023"/>
+            <a:ext cx="7946372" cy="5123379"/>
+          </a:xfrm>
+          <a:prstGeom prst="rect">
+            <a:avLst/>
+          </a:prstGeom>
+        </p:spPr>
+      </p:pic>
+      <p:sp>
+        <p:nvSpPr>
+          <p:cNvPr id="7" name="TextBox 6">
+            <a:extLst>
+              <a:ext uri="{FF2B5EF4-FFF2-40B4-BE49-F238E27FC236}">
+                <a16:creationId xmlns:a16="http://schemas.microsoft.com/office/drawing/2014/main" id="{5FAD12E6-AFBE-4FF3-9370-FC89B7628CCF}"/>
+              </a:ext>
+            </a:extLst>
+          </p:cNvPr>
+          <p:cNvSpPr txBox="1"/>
+          <p:nvPr/>
+        </p:nvSpPr>
+        <p:spPr>
+          <a:xfrm>
+            <a:off x="8122025" y="2434626"/>
+            <a:ext cx="1316386" cy="830997"/>
+          </a:xfrm>
+          <a:prstGeom prst="rect">
+            <a:avLst/>
+          </a:prstGeom>
+          <a:noFill/>
+        </p:spPr>
+        <p:txBody>
+          <a:bodyPr wrap="none" rtlCol="0">
+            <a:spAutoFit/>
+          </a:bodyPr>
+          <a:lstStyle/>
+          <a:p>
+            <a:r>
+              <a:rPr lang="ru-RU" sz="2400" dirty="0">
+                <a:solidFill>
+                  <a:srgbClr val="E7D392"/>
+                </a:solidFill>
+                <a:latin typeface="Comic Sans MS" panose="030F0702030302020204" pitchFamily="66" charset="0"/>
+              </a:rPr>
+              <a:t>Победа</a:t>
+            </a:r>
+          </a:p>
+          <a:p>
+            <a:endParaRPr lang="ru-RU" sz="2400" dirty="0">
+              <a:solidFill>
+                <a:srgbClr val="E7D392"/>
+              </a:solidFill>
+              <a:latin typeface="Comic Sans MS" panose="030F0702030302020204" pitchFamily="66" charset="0"/>
+            </a:endParaRPr>
+          </a:p>
+        </p:txBody>
+      </p:sp>
+    </p:spTree>
+    <p:extLst>
+      <p:ext uri="{BB962C8B-B14F-4D97-AF65-F5344CB8AC3E}">
+        <p14:creationId xmlns:p14="http://schemas.microsoft.com/office/powerpoint/2010/main" val="3223174257"/>
+      </p:ext>
+    </p:extLst>
+  </p:cSld>
+  <p:clrMapOvr>
+    <a:masterClrMapping/>
+  </p:clrMapOvr>
+</p:sld>
+</file>
+
 <file path=ppt/slides/slide2.xml><?xml version="1.0" encoding="utf-8"?>
 <p:sld xmlns:a="http://schemas.openxmlformats.org/drawingml/2006/main" xmlns:r="http://schemas.openxmlformats.org/officeDocument/2006/relationships" xmlns:p="http://schemas.openxmlformats.org/presentationml/2006/main">
   <p:cSld>
@@ -4501,7 +4664,7 @@
           <a:lstStyle/>
           <a:p>
             <a:r>
-              <a:rPr lang="ru-RU" sz="7200" b="1" dirty="0">
+              <a:rPr lang="ru-RU" sz="7200" b="1">
                 <a:solidFill>
                   <a:srgbClr val="E7D392"/>
                 </a:solidFill>
@@ -4509,15 +4672,61 @@
               </a:rPr>
               <a:t>Игра «Пятнашки»</a:t>
             </a:r>
+            <a:endParaRPr lang="ru-RU" sz="7200" b="1" dirty="0">
+              <a:solidFill>
+                <a:srgbClr val="E7D392"/>
+              </a:solidFill>
+              <a:latin typeface="Comic Sans MS" panose="030F0702030302020204" pitchFamily="66" charset="0"/>
+            </a:endParaRPr>
+          </a:p>
+        </p:txBody>
+      </p:sp>
+      <p:sp>
+        <p:nvSpPr>
+          <p:cNvPr id="5" name="TextBox 4">
+            <a:extLst>
+              <a:ext uri="{FF2B5EF4-FFF2-40B4-BE49-F238E27FC236}">
+                <a16:creationId xmlns:a16="http://schemas.microsoft.com/office/drawing/2014/main" id="{8F7CA66A-29D0-41EC-AF32-63554D98F961}"/>
+              </a:ext>
+            </a:extLst>
+          </p:cNvPr>
+          <p:cNvSpPr txBox="1"/>
+          <p:nvPr/>
+        </p:nvSpPr>
+        <p:spPr>
+          <a:xfrm>
+            <a:off x="7498195" y="4908885"/>
+            <a:ext cx="4039888" cy="461665"/>
+          </a:xfrm>
+          <a:prstGeom prst="rect">
+            <a:avLst/>
+          </a:prstGeom>
+          <a:noFill/>
+        </p:spPr>
+        <p:txBody>
+          <a:bodyPr wrap="none" rtlCol="0">
+            <a:spAutoFit/>
+          </a:bodyPr>
+          <a:lstStyle/>
+          <a:p>
+            <a:r>
+              <a:rPr lang="ru-RU" sz="2400" dirty="0">
+                <a:solidFill>
+                  <a:srgbClr val="E7D392"/>
+                </a:solidFill>
+                <a:latin typeface="Comic Sans MS" panose="030F0702030302020204" pitchFamily="66" charset="0"/>
+              </a:rPr>
+              <a:t>Стилизация пункта меню </a:t>
+            </a:r>
           </a:p>
         </p:txBody>
       </p:sp>
       <p:pic>
         <p:nvPicPr>
-          <p:cNvPr id="4" name="Picture 3">
-            <a:extLst>
-              <a:ext uri="{FF2B5EF4-FFF2-40B4-BE49-F238E27FC236}">
-                <a16:creationId xmlns:a16="http://schemas.microsoft.com/office/drawing/2014/main" id="{C60332D8-2201-44A8-914F-E62870A9D56F}"/>
+          <p:cNvPr id="6" name="Picture 5">
+            <a:extLst>
+              <a:ext uri="{FF2B5EF4-FFF2-40B4-BE49-F238E27FC236}">
+                <a16:creationId xmlns:a16="http://schemas.microsoft.com/office/drawing/2014/main" id="{EBCD0586-6946-47E7-83E6-76D6ED1C7561}"/>
               </a:ext>
             </a:extLst>
           </p:cNvPr>
@@ -4534,20 +4743,134 @@
         </p:blipFill>
         <p:spPr>
           <a:xfrm>
-            <a:off x="176212" y="1664494"/>
-            <a:ext cx="8115359" cy="3216116"/>
+            <a:off x="343740" y="1191260"/>
+            <a:ext cx="6448425" cy="2409825"/>
           </a:xfrm>
           <a:prstGeom prst="rect">
             <a:avLst/>
           </a:prstGeom>
         </p:spPr>
       </p:pic>
-      <p:sp>
-        <p:nvSpPr>
-          <p:cNvPr id="5" name="TextBox 4">
-            <a:extLst>
-              <a:ext uri="{FF2B5EF4-FFF2-40B4-BE49-F238E27FC236}">
-                <a16:creationId xmlns:a16="http://schemas.microsoft.com/office/drawing/2014/main" id="{8F7CA66A-29D0-41EC-AF32-63554D98F961}"/>
+    </p:spTree>
+    <p:extLst>
+      <p:ext uri="{BB962C8B-B14F-4D97-AF65-F5344CB8AC3E}">
+        <p14:creationId xmlns:p14="http://schemas.microsoft.com/office/powerpoint/2010/main" val="2964786953"/>
+      </p:ext>
+    </p:extLst>
+  </p:cSld>
+  <p:clrMapOvr>
+    <a:masterClrMapping/>
+  </p:clrMapOvr>
+</p:sld>
+</file>
+
+<file path=ppt/slides/slide8.xml><?xml version="1.0" encoding="utf-8"?>
+<p:sld xmlns:a="http://schemas.openxmlformats.org/drawingml/2006/main" xmlns:r="http://schemas.openxmlformats.org/officeDocument/2006/relationships" xmlns:p="http://schemas.openxmlformats.org/presentationml/2006/main">
+  <p:cSld>
+    <p:bg>
+      <p:bgPr>
+        <a:solidFill>
+          <a:srgbClr val="573D20"/>
+        </a:solidFill>
+        <a:effectLst/>
+      </p:bgPr>
+    </p:bg>
+    <p:spTree>
+      <p:nvGrpSpPr>
+        <p:cNvPr id="1" name=""/>
+        <p:cNvGrpSpPr/>
+        <p:nvPr/>
+      </p:nvGrpSpPr>
+      <p:grpSpPr>
+        <a:xfrm>
+          <a:off x="0" y="0"/>
+          <a:ext cx="0" cy="0"/>
+          <a:chOff x="0" y="0"/>
+          <a:chExt cx="0" cy="0"/>
+        </a:xfrm>
+      </p:grpSpPr>
+      <p:sp>
+        <p:nvSpPr>
+          <p:cNvPr id="2" name="Title 1">
+            <a:extLst>
+              <a:ext uri="{FF2B5EF4-FFF2-40B4-BE49-F238E27FC236}">
+                <a16:creationId xmlns:a16="http://schemas.microsoft.com/office/drawing/2014/main" id="{F77C398C-8658-4EF8-9F80-21B87AA07313}"/>
+              </a:ext>
+            </a:extLst>
+          </p:cNvPr>
+          <p:cNvSpPr>
+            <a:spLocks noGrp="1"/>
+          </p:cNvSpPr>
+          <p:nvPr>
+            <p:ph type="ctrTitle"/>
+          </p:nvPr>
+        </p:nvSpPr>
+        <p:spPr>
+          <a:xfrm>
+            <a:off x="1524000" y="81597"/>
+            <a:ext cx="9144000" cy="1109663"/>
+          </a:xfrm>
+        </p:spPr>
+        <p:txBody>
+          <a:bodyPr>
+            <a:normAutofit/>
+          </a:bodyPr>
+          <a:lstStyle/>
+          <a:p>
+            <a:r>
+              <a:rPr lang="ru-RU" sz="7200" b="1">
+                <a:solidFill>
+                  <a:srgbClr val="E7D392"/>
+                </a:solidFill>
+                <a:latin typeface="Comic Sans MS" panose="030F0702030302020204" pitchFamily="66" charset="0"/>
+              </a:rPr>
+              <a:t>Игра «Пятнашки»</a:t>
+            </a:r>
+            <a:endParaRPr lang="ru-RU" sz="7200" b="1" dirty="0">
+              <a:solidFill>
+                <a:srgbClr val="E7D392"/>
+              </a:solidFill>
+              <a:latin typeface="Comic Sans MS" panose="030F0702030302020204" pitchFamily="66" charset="0"/>
+            </a:endParaRPr>
+          </a:p>
+        </p:txBody>
+      </p:sp>
+      <p:pic>
+        <p:nvPicPr>
+          <p:cNvPr id="4" name="Picture 3">
+            <a:extLst>
+              <a:ext uri="{FF2B5EF4-FFF2-40B4-BE49-F238E27FC236}">
+                <a16:creationId xmlns:a16="http://schemas.microsoft.com/office/drawing/2014/main" id="{2BF3CADA-2C7D-4102-9D8A-3A1086D4281D}"/>
+              </a:ext>
+            </a:extLst>
+          </p:cNvPr>
+          <p:cNvPicPr>
+            <a:picLocks noChangeAspect="1"/>
+          </p:cNvPicPr>
+          <p:nvPr/>
+        </p:nvPicPr>
+        <p:blipFill>
+          <a:blip r:embed="rId2"/>
+          <a:stretch>
+            <a:fillRect/>
+          </a:stretch>
+        </p:blipFill>
+        <p:spPr>
+          <a:xfrm>
+            <a:off x="276224" y="1506072"/>
+            <a:ext cx="7494737" cy="4800600"/>
+          </a:xfrm>
+          <a:prstGeom prst="rect">
+            <a:avLst/>
+          </a:prstGeom>
+        </p:spPr>
+      </p:pic>
+      <p:sp>
+        <p:nvSpPr>
+          <p:cNvPr id="7" name="TextBox 6">
+            <a:extLst>
+              <a:ext uri="{FF2B5EF4-FFF2-40B4-BE49-F238E27FC236}">
+                <a16:creationId xmlns:a16="http://schemas.microsoft.com/office/drawing/2014/main" id="{7C51629C-1202-4D3C-BEF0-98951EC75BB7}"/>
               </a:ext>
             </a:extLst>
           </p:cNvPr>
@@ -4556,8 +4879,8 @@
         </p:nvSpPr>
         <p:spPr>
           <a:xfrm>
-            <a:off x="8291571" y="4962673"/>
-            <a:ext cx="4039888" cy="461665"/>
+            <a:off x="7882574" y="2598003"/>
+            <a:ext cx="3906593" cy="830997"/>
           </a:xfrm>
           <a:prstGeom prst="rect">
             <a:avLst/>
@@ -4565,11 +4888,12 @@
           <a:noFill/>
         </p:spPr>
         <p:txBody>
-          <a:bodyPr wrap="none" rtlCol="0">
+          <a:bodyPr wrap="square" rtlCol="0">
             <a:spAutoFit/>
           </a:bodyPr>
           <a:lstStyle/>
           <a:p>
+            <a:pPr algn="ctr"/>
             <a:r>
               <a:rPr lang="ru-RU" sz="2400" dirty="0">
                 <a:solidFill>
@@ -4577,7 +4901,7 @@
                 </a:solidFill>
                 <a:latin typeface="Comic Sans MS" panose="030F0702030302020204" pitchFamily="66" charset="0"/>
               </a:rPr>
-              <a:t>Стилизация пункта меню </a:t>
+              <a:t>Внешний вид меню «Настройки» </a:t>
             </a:r>
           </a:p>
         </p:txBody>
@@ -4585,7 +4909,209 @@
     </p:spTree>
     <p:extLst>
       <p:ext uri="{BB962C8B-B14F-4D97-AF65-F5344CB8AC3E}">
-        <p14:creationId xmlns:p14="http://schemas.microsoft.com/office/powerpoint/2010/main" val="2964786953"/>
+        <p14:creationId xmlns:p14="http://schemas.microsoft.com/office/powerpoint/2010/main" val="4270502792"/>
+      </p:ext>
+    </p:extLst>
+  </p:cSld>
+  <p:clrMapOvr>
+    <a:masterClrMapping/>
+  </p:clrMapOvr>
+</p:sld>
+</file>
+
+<file path=ppt/slides/slide9.xml><?xml version="1.0" encoding="utf-8"?>
+<p:sld xmlns:a="http://schemas.openxmlformats.org/drawingml/2006/main" xmlns:r="http://schemas.openxmlformats.org/officeDocument/2006/relationships" xmlns:p="http://schemas.openxmlformats.org/presentationml/2006/main">
+  <p:cSld>
+    <p:bg>
+      <p:bgPr>
+        <a:solidFill>
+          <a:srgbClr val="573D20"/>
+        </a:solidFill>
+        <a:effectLst/>
+      </p:bgPr>
+    </p:bg>
+    <p:spTree>
+      <p:nvGrpSpPr>
+        <p:cNvPr id="1" name=""/>
+        <p:cNvGrpSpPr/>
+        <p:nvPr/>
+      </p:nvGrpSpPr>
+      <p:grpSpPr>
+        <a:xfrm>
+          <a:off x="0" y="0"/>
+          <a:ext cx="0" cy="0"/>
+          <a:chOff x="0" y="0"/>
+          <a:chExt cx="0" cy="0"/>
+        </a:xfrm>
+      </p:grpSpPr>
+      <p:sp>
+        <p:nvSpPr>
+          <p:cNvPr id="2" name="Title 1">
+            <a:extLst>
+              <a:ext uri="{FF2B5EF4-FFF2-40B4-BE49-F238E27FC236}">
+                <a16:creationId xmlns:a16="http://schemas.microsoft.com/office/drawing/2014/main" id="{F77C398C-8658-4EF8-9F80-21B87AA07313}"/>
+              </a:ext>
+            </a:extLst>
+          </p:cNvPr>
+          <p:cNvSpPr>
+            <a:spLocks noGrp="1"/>
+          </p:cNvSpPr>
+          <p:nvPr>
+            <p:ph type="ctrTitle"/>
+          </p:nvPr>
+        </p:nvSpPr>
+        <p:spPr>
+          <a:xfrm>
+            <a:off x="1524000" y="81597"/>
+            <a:ext cx="9144000" cy="1109663"/>
+          </a:xfrm>
+        </p:spPr>
+        <p:txBody>
+          <a:bodyPr>
+            <a:normAutofit/>
+          </a:bodyPr>
+          <a:lstStyle/>
+          <a:p>
+            <a:r>
+              <a:rPr lang="ru-RU" sz="7200" b="1">
+                <a:solidFill>
+                  <a:srgbClr val="E7D392"/>
+                </a:solidFill>
+                <a:latin typeface="Comic Sans MS" panose="030F0702030302020204" pitchFamily="66" charset="0"/>
+              </a:rPr>
+              <a:t>Игра «Пятнашки»</a:t>
+            </a:r>
+            <a:endParaRPr lang="ru-RU" sz="7200" b="1" dirty="0">
+              <a:solidFill>
+                <a:srgbClr val="E7D392"/>
+              </a:solidFill>
+              <a:latin typeface="Comic Sans MS" panose="030F0702030302020204" pitchFamily="66" charset="0"/>
+            </a:endParaRPr>
+          </a:p>
+        </p:txBody>
+      </p:sp>
+      <p:sp>
+        <p:nvSpPr>
+          <p:cNvPr id="5" name="TextBox 4">
+            <a:extLst>
+              <a:ext uri="{FF2B5EF4-FFF2-40B4-BE49-F238E27FC236}">
+                <a16:creationId xmlns:a16="http://schemas.microsoft.com/office/drawing/2014/main" id="{8F7CA66A-29D0-41EC-AF32-63554D98F961}"/>
+              </a:ext>
+            </a:extLst>
+          </p:cNvPr>
+          <p:cNvSpPr txBox="1"/>
+          <p:nvPr/>
+        </p:nvSpPr>
+        <p:spPr>
+          <a:xfrm>
+            <a:off x="6893076" y="1869849"/>
+            <a:ext cx="3506088" cy="830997"/>
+          </a:xfrm>
+          <a:prstGeom prst="rect">
+            <a:avLst/>
+          </a:prstGeom>
+          <a:noFill/>
+        </p:spPr>
+        <p:txBody>
+          <a:bodyPr wrap="none" rtlCol="0">
+            <a:spAutoFit/>
+          </a:bodyPr>
+          <a:lstStyle/>
+          <a:p>
+            <a:r>
+              <a:rPr lang="ru-RU" sz="2400" dirty="0">
+                <a:solidFill>
+                  <a:srgbClr val="E7D392"/>
+                </a:solidFill>
+                <a:latin typeface="Comic Sans MS" panose="030F0702030302020204" pitchFamily="66" charset="0"/>
+              </a:rPr>
+              <a:t>Проверка на выигрыш</a:t>
+            </a:r>
+          </a:p>
+          <a:p>
+            <a:endParaRPr lang="ru-RU" sz="2400" dirty="0">
+              <a:solidFill>
+                <a:srgbClr val="E7D392"/>
+              </a:solidFill>
+              <a:latin typeface="Comic Sans MS" panose="030F0702030302020204" pitchFamily="66" charset="0"/>
+            </a:endParaRPr>
+          </a:p>
+        </p:txBody>
+      </p:sp>
+      <p:pic>
+        <p:nvPicPr>
+          <p:cNvPr id="4" name="Picture 3">
+            <a:extLst>
+              <a:ext uri="{FF2B5EF4-FFF2-40B4-BE49-F238E27FC236}">
+                <a16:creationId xmlns:a16="http://schemas.microsoft.com/office/drawing/2014/main" id="{DB14FE77-3D21-4A11-99EB-61B81E463BA7}"/>
+              </a:ext>
+            </a:extLst>
+          </p:cNvPr>
+          <p:cNvPicPr>
+            <a:picLocks noChangeAspect="1"/>
+          </p:cNvPicPr>
+          <p:nvPr/>
+        </p:nvPicPr>
+        <p:blipFill>
+          <a:blip r:embed="rId2"/>
+          <a:stretch>
+            <a:fillRect/>
+          </a:stretch>
+        </p:blipFill>
+        <p:spPr>
+          <a:xfrm>
+            <a:off x="445153" y="1538679"/>
+            <a:ext cx="5848071" cy="3611715"/>
+          </a:xfrm>
+          <a:prstGeom prst="rect">
+            <a:avLst/>
+          </a:prstGeom>
+        </p:spPr>
+      </p:pic>
+      <p:sp>
+        <p:nvSpPr>
+          <p:cNvPr id="7" name="TextBox 6">
+            <a:extLst>
+              <a:ext uri="{FF2B5EF4-FFF2-40B4-BE49-F238E27FC236}">
+                <a16:creationId xmlns:a16="http://schemas.microsoft.com/office/drawing/2014/main" id="{938D6B76-B850-4EEF-8C62-6543DEC055B2}"/>
+              </a:ext>
+            </a:extLst>
+          </p:cNvPr>
+          <p:cNvSpPr txBox="1"/>
+          <p:nvPr/>
+        </p:nvSpPr>
+        <p:spPr>
+          <a:xfrm>
+            <a:off x="445153" y="5175875"/>
+            <a:ext cx="6792244" cy="369332"/>
+          </a:xfrm>
+          <a:prstGeom prst="rect">
+            <a:avLst/>
+          </a:prstGeom>
+          <a:noFill/>
+        </p:spPr>
+        <p:txBody>
+          <a:bodyPr wrap="none" rtlCol="0">
+            <a:spAutoFit/>
+          </a:bodyPr>
+          <a:lstStyle/>
+          <a:p>
+            <a:r>
+              <a:rPr lang="ru-RU" dirty="0">
+                <a:solidFill>
+                  <a:srgbClr val="E7D392"/>
+                </a:solidFill>
+                <a:latin typeface="Comic Sans MS" panose="030F0702030302020204" pitchFamily="66" charset="0"/>
+              </a:rPr>
+              <a:t>*выход из цикла для последнего, который должен быть 0 </a:t>
+            </a:r>
+          </a:p>
+        </p:txBody>
+      </p:sp>
+    </p:spTree>
+    <p:extLst>
+      <p:ext uri="{BB962C8B-B14F-4D97-AF65-F5344CB8AC3E}">
+        <p14:creationId xmlns:p14="http://schemas.microsoft.com/office/powerpoint/2010/main" val="2603507883"/>
       </p:ext>
     </p:extLst>
   </p:cSld>
